--- a/발표자료.pptx
+++ b/발표자료.pptx
@@ -116,6 +116,14 @@
       </a:defRPr>
     </a:lvl9pPr>
   </p:defaultTextStyle>
+  <p:extLst>
+    <p:ext uri="{EFAFB233-063F-42B5-8137-9DF3F51BA10A}">
+      <p15:sldGuideLst xmlns:p15="http://schemas.microsoft.com/office/powerpoint/2012/main"/>
+    </p:ext>
+    <p:ext uri="{2D200454-40CA-4A62-9FC3-DE9A4176ACB9}">
+      <p15:notesGuideLst xmlns:p15="http://schemas.microsoft.com/office/powerpoint/2012/main"/>
+    </p:ext>
+  </p:extLst>
 </p:presentation>
 </file>
 
@@ -201,7 +209,7 @@
           <a:p>
             <a:fld id="{EA6DE949-100A-4A13-8817-D1125B4D8C91}" type="datetimeFigureOut">
               <a:rPr lang="ko-KR" altLang="en-US" smtClean="0"/>
-              <a:t>2017-06-14</a:t>
+              <a:t>2017-06-15</a:t>
             </a:fld>
             <a:endParaRPr lang="ko-KR" altLang="en-US"/>
           </a:p>
@@ -1959,7 +1967,7 @@
           <a:p>
             <a:fld id="{6F755E33-6ADD-439A-A792-5A5301275954}" type="datetimeFigureOut">
               <a:rPr lang="ko-KR" altLang="en-US" smtClean="0"/>
-              <a:t>2017-06-12</a:t>
+              <a:t>2017-06-15</a:t>
             </a:fld>
             <a:endParaRPr lang="ko-KR" altLang="en-US"/>
           </a:p>
@@ -2129,7 +2137,7 @@
           <a:p>
             <a:fld id="{6F755E33-6ADD-439A-A792-5A5301275954}" type="datetimeFigureOut">
               <a:rPr lang="ko-KR" altLang="en-US" smtClean="0"/>
-              <a:t>2017-06-12</a:t>
+              <a:t>2017-06-15</a:t>
             </a:fld>
             <a:endParaRPr lang="ko-KR" altLang="en-US"/>
           </a:p>
@@ -2309,7 +2317,7 @@
           <a:p>
             <a:fld id="{6F755E33-6ADD-439A-A792-5A5301275954}" type="datetimeFigureOut">
               <a:rPr lang="ko-KR" altLang="en-US" smtClean="0"/>
-              <a:t>2017-06-12</a:t>
+              <a:t>2017-06-15</a:t>
             </a:fld>
             <a:endParaRPr lang="ko-KR" altLang="en-US"/>
           </a:p>
@@ -2754,7 +2762,7 @@
           <a:p>
             <a:fld id="{6F755E33-6ADD-439A-A792-5A5301275954}" type="datetimeFigureOut">
               <a:rPr lang="ko-KR" altLang="en-US" smtClean="0"/>
-              <a:t>2017-06-12</a:t>
+              <a:t>2017-06-15</a:t>
             </a:fld>
             <a:endParaRPr lang="ko-KR" altLang="en-US"/>
           </a:p>
@@ -2986,7 +2994,7 @@
           <a:p>
             <a:fld id="{6F755E33-6ADD-439A-A792-5A5301275954}" type="datetimeFigureOut">
               <a:rPr lang="ko-KR" altLang="en-US" smtClean="0"/>
-              <a:t>2017-06-12</a:t>
+              <a:t>2017-06-15</a:t>
             </a:fld>
             <a:endParaRPr lang="ko-KR" altLang="en-US"/>
           </a:p>
@@ -3353,7 +3361,7 @@
           <a:p>
             <a:fld id="{6F755E33-6ADD-439A-A792-5A5301275954}" type="datetimeFigureOut">
               <a:rPr lang="ko-KR" altLang="en-US" smtClean="0"/>
-              <a:t>2017-06-12</a:t>
+              <a:t>2017-06-15</a:t>
             </a:fld>
             <a:endParaRPr lang="ko-KR" altLang="en-US"/>
           </a:p>
@@ -3471,7 +3479,7 @@
           <a:p>
             <a:fld id="{6F755E33-6ADD-439A-A792-5A5301275954}" type="datetimeFigureOut">
               <a:rPr lang="ko-KR" altLang="en-US" smtClean="0"/>
-              <a:t>2017-06-12</a:t>
+              <a:t>2017-06-15</a:t>
             </a:fld>
             <a:endParaRPr lang="ko-KR" altLang="en-US"/>
           </a:p>
@@ -3566,7 +3574,7 @@
           <a:p>
             <a:fld id="{6F755E33-6ADD-439A-A792-5A5301275954}" type="datetimeFigureOut">
               <a:rPr lang="ko-KR" altLang="en-US" smtClean="0"/>
-              <a:t>2017-06-12</a:t>
+              <a:t>2017-06-15</a:t>
             </a:fld>
             <a:endParaRPr lang="ko-KR" altLang="en-US"/>
           </a:p>
@@ -3843,7 +3851,7 @@
           <a:p>
             <a:fld id="{6F755E33-6ADD-439A-A792-5A5301275954}" type="datetimeFigureOut">
               <a:rPr lang="ko-KR" altLang="en-US" smtClean="0"/>
-              <a:t>2017-06-12</a:t>
+              <a:t>2017-06-15</a:t>
             </a:fld>
             <a:endParaRPr lang="ko-KR" altLang="en-US"/>
           </a:p>
@@ -4096,7 +4104,7 @@
           <a:p>
             <a:fld id="{6F755E33-6ADD-439A-A792-5A5301275954}" type="datetimeFigureOut">
               <a:rPr lang="ko-KR" altLang="en-US" smtClean="0"/>
-              <a:t>2017-06-12</a:t>
+              <a:t>2017-06-15</a:t>
             </a:fld>
             <a:endParaRPr lang="ko-KR" altLang="en-US"/>
           </a:p>
@@ -4311,7 +4319,7 @@
           <a:p>
             <a:fld id="{6F755E33-6ADD-439A-A792-5A5301275954}" type="datetimeFigureOut">
               <a:rPr lang="ko-KR" altLang="en-US" smtClean="0"/>
-              <a:t>2017-06-12</a:t>
+              <a:t>2017-06-15</a:t>
             </a:fld>
             <a:endParaRPr lang="ko-KR" altLang="en-US"/>
           </a:p>
@@ -6531,11 +6539,7 @@
             <a:pPr lvl="1"/>
             <a:r>
               <a:rPr lang="ko-KR" altLang="en-US" dirty="0" smtClean="0"/>
-              <a:t>정치적 의사결정이 익숙하지 않는 </a:t>
-            </a:r>
-            <a:r>
-              <a:rPr lang="ko-KR" altLang="en-US" dirty="0" smtClean="0"/>
-              <a:t>사</a:t>
+              <a:t>정치적 의사결정이 익숙하지 않는 사</a:t>
             </a:r>
             <a:r>
               <a:rPr lang="ko-KR" altLang="en-US" dirty="0"/>
@@ -7028,7 +7032,6 @@
               <a:rPr lang="en-US" altLang="ko-KR" sz="1400" dirty="0" smtClean="0"/>
               <a:t>Data Aggregation</a:t>
             </a:r>
-            <a:endParaRPr lang="en-US" altLang="ko-KR" sz="1400" dirty="0" smtClean="0"/>
           </a:p>
         </p:txBody>
       </p:sp>
@@ -7324,7 +7327,6 @@
               <a:rPr lang="en-US" altLang="ko-KR" dirty="0" smtClean="0"/>
               <a:t>.</a:t>
             </a:r>
-            <a:endParaRPr lang="en-US" altLang="ko-KR" dirty="0" smtClean="0"/>
           </a:p>
         </p:txBody>
       </p:sp>
@@ -7982,6 +7984,100 @@
           </a:p>
         </p:txBody>
       </p:sp>
+      <p:grpSp>
+        <p:nvGrpSpPr>
+          <p:cNvPr id="5" name="그룹 4"/>
+          <p:cNvGrpSpPr/>
+          <p:nvPr/>
+        </p:nvGrpSpPr>
+        <p:grpSpPr>
+          <a:xfrm>
+            <a:off x="2449286" y="946326"/>
+            <a:ext cx="6757132" cy="5761472"/>
+            <a:chOff x="2467061" y="3708256"/>
+            <a:chExt cx="5690487" cy="4851996"/>
+          </a:xfrm>
+        </p:grpSpPr>
+        <p:pic>
+          <p:nvPicPr>
+            <p:cNvPr id="7" name="그림 6"/>
+            <p:cNvPicPr>
+              <a:picLocks noChangeAspect="1"/>
+            </p:cNvPicPr>
+            <p:nvPr/>
+          </p:nvPicPr>
+          <p:blipFill>
+            <a:blip r:embed="rId3"/>
+            <a:stretch>
+              <a:fillRect/>
+            </a:stretch>
+          </p:blipFill>
+          <p:spPr>
+            <a:xfrm>
+              <a:off x="2467061" y="3708256"/>
+              <a:ext cx="5690487" cy="4851996"/>
+            </a:xfrm>
+            <a:prstGeom prst="rect">
+              <a:avLst/>
+            </a:prstGeom>
+          </p:spPr>
+        </p:pic>
+        <p:sp>
+          <p:nvSpPr>
+            <p:cNvPr id="8" name="왼쪽으로 구부러진 화살표 7"/>
+            <p:cNvSpPr/>
+            <p:nvPr/>
+          </p:nvSpPr>
+          <p:spPr>
+            <a:xfrm rot="7247981" flipH="1">
+              <a:off x="5518154" y="3774178"/>
+              <a:ext cx="970924" cy="3146602"/>
+            </a:xfrm>
+            <a:prstGeom prst="curvedLeftArrow">
+              <a:avLst>
+                <a:gd name="adj1" fmla="val 25000"/>
+                <a:gd name="adj2" fmla="val 69434"/>
+                <a:gd name="adj3" fmla="val 25000"/>
+              </a:avLst>
+            </a:prstGeom>
+            <a:solidFill>
+              <a:schemeClr val="accent2"/>
+            </a:solidFill>
+            <a:ln>
+              <a:noFill/>
+            </a:ln>
+          </p:spPr>
+          <p:style>
+            <a:lnRef idx="2">
+              <a:schemeClr val="accent1">
+                <a:shade val="50000"/>
+              </a:schemeClr>
+            </a:lnRef>
+            <a:fillRef idx="1">
+              <a:schemeClr val="accent1"/>
+            </a:fillRef>
+            <a:effectRef idx="0">
+              <a:schemeClr val="accent1"/>
+            </a:effectRef>
+            <a:fontRef idx="minor">
+              <a:schemeClr val="lt1"/>
+            </a:fontRef>
+          </p:style>
+          <p:txBody>
+            <a:bodyPr rtlCol="0" anchor="ctr"/>
+            <a:lstStyle/>
+            <a:p>
+              <a:pPr algn="ctr"/>
+              <a:endParaRPr lang="ko-KR" altLang="en-US">
+                <a:solidFill>
+                  <a:schemeClr val="tx1"/>
+                </a:solidFill>
+                <a:latin typeface="Constantia" panose="02030602050306030303" pitchFamily="18" charset="0"/>
+              </a:endParaRPr>
+            </a:p>
+          </p:txBody>
+        </p:sp>
+      </p:grpSp>
     </p:spTree>
     <p:extLst>
       <p:ext uri="{BB962C8B-B14F-4D97-AF65-F5344CB8AC3E}">
